--- a/Jose/glas/tutorials/math_decimals_multiplying_xx/GLA_Multiplying_Dividing_Decimals.pptx
+++ b/Jose/glas/tutorials/math_decimals_multiplying_xx/GLA_Multiplying_Dividing_Decimals.pptx
@@ -154,6 +154,22 @@
       </a:defRPr>
     </a:lvl9pPr>
   </p:defaultTextStyle>
+  <p:extLst>
+    <p:ext uri="{EFAFB233-063F-42B5-8137-9DF3F51BA10A}">
+      <p15:sldGuideLst xmlns:p15="http://schemas.microsoft.com/office/powerpoint/2012/main">
+        <p15:guide id="1" orient="horz" pos="2160">
+          <p15:clr>
+            <a:srgbClr val="A4A3A4"/>
+          </p15:clr>
+        </p15:guide>
+        <p15:guide id="2" pos="2880">
+          <p15:clr>
+            <a:srgbClr val="A4A3A4"/>
+          </p15:clr>
+        </p15:guide>
+      </p15:sldGuideLst>
+    </p:ext>
+  </p:extLst>
 </p:presentation>
 </file>
 
@@ -239,7 +255,7 @@
           <a:p>
             <a:fld id="{F9861DD1-A8F2-4051-B1FD-27B8551EC4C6}" type="datetimeFigureOut">
               <a:rPr lang="en-US" smtClean="0"/>
-              <a:t>6/21/2013</a:t>
+              <a:t>10/15/2015</a:t>
             </a:fld>
             <a:endParaRPr lang="en-US"/>
           </a:p>
@@ -1216,7 +1232,7 @@
           <a:p>
             <a:fld id="{9BE0F106-E5D1-4C84-AC8B-70D38CCD7C5D}" type="datetimeFigureOut">
               <a:rPr lang="en-US" smtClean="0"/>
-              <a:t>6/21/2013</a:t>
+              <a:t>10/15/2015</a:t>
             </a:fld>
             <a:endParaRPr lang="en-US"/>
           </a:p>
@@ -1412,7 +1428,7 @@
           <a:p>
             <a:fld id="{9BE0F106-E5D1-4C84-AC8B-70D38CCD7C5D}" type="datetimeFigureOut">
               <a:rPr lang="en-US" smtClean="0"/>
-              <a:t>6/21/2013</a:t>
+              <a:t>10/15/2015</a:t>
             </a:fld>
             <a:endParaRPr lang="en-US"/>
           </a:p>
@@ -1597,7 +1613,7 @@
           <a:p>
             <a:fld id="{9BE0F106-E5D1-4C84-AC8B-70D38CCD7C5D}" type="datetimeFigureOut">
               <a:rPr lang="en-US" smtClean="0"/>
-              <a:t>6/21/2013</a:t>
+              <a:t>10/15/2015</a:t>
             </a:fld>
             <a:endParaRPr lang="en-US"/>
           </a:p>
@@ -1747,7 +1763,7 @@
           <a:p>
             <a:fld id="{9BE0F106-E5D1-4C84-AC8B-70D38CCD7C5D}" type="datetimeFigureOut">
               <a:rPr lang="en-US" smtClean="0"/>
-              <a:t>6/21/2013</a:t>
+              <a:t>10/15/2015</a:t>
             </a:fld>
             <a:endParaRPr lang="en-US"/>
           </a:p>
@@ -2002,7 +2018,7 @@
           <a:p>
             <a:fld id="{9BE0F106-E5D1-4C84-AC8B-70D38CCD7C5D}" type="datetimeFigureOut">
               <a:rPr lang="en-US" smtClean="0"/>
-              <a:t>6/21/2013</a:t>
+              <a:t>10/15/2015</a:t>
             </a:fld>
             <a:endParaRPr lang="en-US"/>
           </a:p>
@@ -2411,7 +2427,7 @@
           <a:p>
             <a:fld id="{9BE0F106-E5D1-4C84-AC8B-70D38CCD7C5D}" type="datetimeFigureOut">
               <a:rPr lang="en-US" smtClean="0"/>
-              <a:t>6/21/2013</a:t>
+              <a:t>10/15/2015</a:t>
             </a:fld>
             <a:endParaRPr lang="en-US"/>
           </a:p>
@@ -2857,7 +2873,7 @@
           <a:p>
             <a:fld id="{9BE0F106-E5D1-4C84-AC8B-70D38CCD7C5D}" type="datetimeFigureOut">
               <a:rPr lang="en-US" smtClean="0"/>
-              <a:t>6/21/2013</a:t>
+              <a:t>10/15/2015</a:t>
             </a:fld>
             <a:endParaRPr lang="en-US"/>
           </a:p>
@@ -2958,7 +2974,7 @@
           <a:p>
             <a:fld id="{9BE0F106-E5D1-4C84-AC8B-70D38CCD7C5D}" type="datetimeFigureOut">
               <a:rPr lang="en-US" smtClean="0"/>
-              <a:t>6/21/2013</a:t>
+              <a:t>10/15/2015</a:t>
             </a:fld>
             <a:endParaRPr lang="en-US"/>
           </a:p>
@@ -3079,7 +3095,7 @@
           <a:p>
             <a:fld id="{9BE0F106-E5D1-4C84-AC8B-70D38CCD7C5D}" type="datetimeFigureOut">
               <a:rPr lang="en-US" smtClean="0"/>
-              <a:t>6/21/2013</a:t>
+              <a:t>10/15/2015</a:t>
             </a:fld>
             <a:endParaRPr lang="en-US"/>
           </a:p>
@@ -3353,7 +3369,7 @@
           <a:p>
             <a:fld id="{9BE0F106-E5D1-4C84-AC8B-70D38CCD7C5D}" type="datetimeFigureOut">
               <a:rPr lang="en-US" smtClean="0"/>
-              <a:t>6/21/2013</a:t>
+              <a:t>10/15/2015</a:t>
             </a:fld>
             <a:endParaRPr lang="en-US"/>
           </a:p>
@@ -3558,7 +3574,7 @@
           <a:p>
             <a:fld id="{9BE0F106-E5D1-4C84-AC8B-70D38CCD7C5D}" type="datetimeFigureOut">
               <a:rPr lang="en-US" smtClean="0"/>
-              <a:t>6/21/2013</a:t>
+              <a:t>10/15/2015</a:t>
             </a:fld>
             <a:endParaRPr lang="en-US"/>
           </a:p>
@@ -4667,7 +4683,7 @@
           <a:p>
             <a:fld id="{9BE0F106-E5D1-4C84-AC8B-70D38CCD7C5D}" type="datetimeFigureOut">
               <a:rPr lang="en-US" smtClean="0"/>
-              <a:t>6/21/2013</a:t>
+              <a:t>10/15/2015</a:t>
             </a:fld>
             <a:endParaRPr lang="en-US"/>
           </a:p>
@@ -5099,11 +5115,7 @@
             <a:pPr algn="ctr"/>
             <a:r>
               <a:rPr lang="en-US" dirty="0" smtClean="0"/>
-              <a:t>Multiplying and Dividing </a:t>
-            </a:r>
-            <a:r>
-              <a:rPr lang="en-US" dirty="0" smtClean="0"/>
-              <a:t>Decimals</a:t>
+              <a:t>Multiplying and Dividing Decimals</a:t>
             </a:r>
             <a:endParaRPr lang="en-US" dirty="0"/>
           </a:p>
@@ -5263,7 +5275,7 @@
           <a:graphicData uri="http://schemas.openxmlformats.org/presentationml/2006/ole">
             <mc:AlternateContent xmlns:mc="http://schemas.openxmlformats.org/markup-compatibility/2006">
               <mc:Choice xmlns:v="urn:schemas-microsoft-com:vml" Requires="v">
-                <p:oleObj spid="_x0000_s59405" name="Equation" r:id="rId3" imgW="1028520" imgH="177480" progId="Equation.DSMT4">
+                <p:oleObj spid="_x0000_s59407" name="Equation" r:id="rId3" imgW="1028520" imgH="177480" progId="Equation.DSMT4">
                   <p:embed/>
                 </p:oleObj>
               </mc:Choice>
@@ -5645,7 +5657,7 @@
           <a:graphicData uri="http://schemas.openxmlformats.org/presentationml/2006/ole">
             <mc:AlternateContent xmlns:mc="http://schemas.openxmlformats.org/markup-compatibility/2006">
               <mc:Choice xmlns:v="urn:schemas-microsoft-com:vml" Requires="v">
-                <p:oleObj spid="_x0000_s60429" name="Equation" r:id="rId3" imgW="520560" imgH="177480" progId="Equation.DSMT4">
+                <p:oleObj spid="_x0000_s60431" name="Equation" r:id="rId3" imgW="520560" imgH="177480" progId="Equation.DSMT4">
                   <p:embed/>
                 </p:oleObj>
               </mc:Choice>
@@ -5808,7 +5820,7 @@
           <a:graphicData uri="http://schemas.openxmlformats.org/presentationml/2006/ole">
             <mc:AlternateContent xmlns:mc="http://schemas.openxmlformats.org/markup-compatibility/2006">
               <mc:Choice xmlns:v="urn:schemas-microsoft-com:vml" Requires="v">
-                <p:oleObj spid="_x0000_s61454" name="Equation" r:id="rId3" imgW="520560" imgH="177480" progId="Equation.DSMT4">
+                <p:oleObj spid="_x0000_s61456" name="Equation" r:id="rId3" imgW="520560" imgH="177480" progId="Equation.DSMT4">
                   <p:embed/>
                 </p:oleObj>
               </mc:Choice>
@@ -5951,7 +5963,7 @@
           <a:graphicData uri="http://schemas.openxmlformats.org/presentationml/2006/ole">
             <mc:AlternateContent xmlns:mc="http://schemas.openxmlformats.org/markup-compatibility/2006">
               <mc:Choice xmlns:v="urn:schemas-microsoft-com:vml" Requires="v">
-                <p:oleObj spid="_x0000_s62476" name="Equation" r:id="rId3" imgW="698400" imgH="177480" progId="Equation.DSMT4">
+                <p:oleObj spid="_x0000_s62478" name="Equation" r:id="rId3" imgW="698400" imgH="177480" progId="Equation.DSMT4">
                   <p:embed/>
                 </p:oleObj>
               </mc:Choice>
@@ -6114,7 +6126,7 @@
           <a:graphicData uri="http://schemas.openxmlformats.org/presentationml/2006/ole">
             <mc:AlternateContent xmlns:mc="http://schemas.openxmlformats.org/markup-compatibility/2006">
               <mc:Choice xmlns:v="urn:schemas-microsoft-com:vml" Requires="v">
-                <p:oleObj spid="_x0000_s63499" name="Equation" r:id="rId3" imgW="698400" imgH="177480" progId="Equation.DSMT4">
+                <p:oleObj spid="_x0000_s63501" name="Equation" r:id="rId3" imgW="698400" imgH="177480" progId="Equation.DSMT4">
                   <p:embed/>
                 </p:oleObj>
               </mc:Choice>
@@ -6257,7 +6269,7 @@
           <a:graphicData uri="http://schemas.openxmlformats.org/presentationml/2006/ole">
             <mc:AlternateContent xmlns:mc="http://schemas.openxmlformats.org/markup-compatibility/2006">
               <mc:Choice xmlns:v="urn:schemas-microsoft-com:vml" Requires="v">
-                <p:oleObj spid="_x0000_s64523" name="Equation" r:id="rId3" imgW="850680" imgH="177480" progId="Equation.DSMT4">
+                <p:oleObj spid="_x0000_s64525" name="Equation" r:id="rId3" imgW="850680" imgH="177480" progId="Equation.DSMT4">
                   <p:embed/>
                 </p:oleObj>
               </mc:Choice>
@@ -6420,7 +6432,7 @@
           <a:graphicData uri="http://schemas.openxmlformats.org/presentationml/2006/ole">
             <mc:AlternateContent xmlns:mc="http://schemas.openxmlformats.org/markup-compatibility/2006">
               <mc:Choice xmlns:v="urn:schemas-microsoft-com:vml" Requires="v">
-                <p:oleObj spid="_x0000_s65547" name="Equation" r:id="rId3" imgW="850680" imgH="177480" progId="Equation.DSMT4">
+                <p:oleObj spid="_x0000_s65549" name="Equation" r:id="rId3" imgW="850680" imgH="177480" progId="Equation.DSMT4">
                   <p:embed/>
                 </p:oleObj>
               </mc:Choice>
@@ -7363,7 +7375,7 @@
           <a:graphicData uri="http://schemas.openxmlformats.org/presentationml/2006/ole">
             <mc:AlternateContent xmlns:mc="http://schemas.openxmlformats.org/markup-compatibility/2006">
               <mc:Choice xmlns:v="urn:schemas-microsoft-com:vml" Requires="v">
-                <p:oleObj spid="_x0000_s66570" name="Equation" r:id="rId3" imgW="888840" imgH="177480" progId="Equation.DSMT4">
+                <p:oleObj spid="_x0000_s66572" name="Equation" r:id="rId3" imgW="888840" imgH="177480" progId="Equation.DSMT4">
                   <p:embed/>
                 </p:oleObj>
               </mc:Choice>
@@ -7517,7 +7529,7 @@
           <a:graphicData uri="http://schemas.openxmlformats.org/presentationml/2006/ole">
             <mc:AlternateContent xmlns:mc="http://schemas.openxmlformats.org/markup-compatibility/2006">
               <mc:Choice xmlns:v="urn:schemas-microsoft-com:vml" Requires="v">
-                <p:oleObj spid="_x0000_s67594" name="Equation" r:id="rId3" imgW="888840" imgH="177480" progId="Equation.DSMT4">
+                <p:oleObj spid="_x0000_s67596" name="Equation" r:id="rId3" imgW="888840" imgH="177480" progId="Equation.DSMT4">
                   <p:embed/>
                 </p:oleObj>
               </mc:Choice>
@@ -7663,7 +7675,7 @@
           <a:graphicData uri="http://schemas.openxmlformats.org/presentationml/2006/ole">
             <mc:AlternateContent xmlns:mc="http://schemas.openxmlformats.org/markup-compatibility/2006">
               <mc:Choice xmlns:v="urn:schemas-microsoft-com:vml" Requires="v">
-                <p:oleObj spid="_x0000_s68618" name="Equation" r:id="rId3" imgW="558720" imgH="393480" progId="Equation.DSMT4">
+                <p:oleObj spid="_x0000_s68620" name="Equation" r:id="rId3" imgW="558720" imgH="393480" progId="Equation.DSMT4">
                   <p:embed/>
                 </p:oleObj>
               </mc:Choice>
@@ -7831,7 +7843,7 @@
           <a:graphicData uri="http://schemas.openxmlformats.org/presentationml/2006/ole">
             <mc:AlternateContent xmlns:mc="http://schemas.openxmlformats.org/markup-compatibility/2006">
               <mc:Choice xmlns:v="urn:schemas-microsoft-com:vml" Requires="v">
-                <p:oleObj spid="_x0000_s69641" name="Equation" r:id="rId3" imgW="558720" imgH="393480" progId="Equation.DSMT4">
+                <p:oleObj spid="_x0000_s69643" name="Equation" r:id="rId3" imgW="558720" imgH="393480" progId="Equation.DSMT4">
                   <p:embed/>
                 </p:oleObj>
               </mc:Choice>
@@ -7993,7 +8005,7 @@
           <a:graphicData uri="http://schemas.openxmlformats.org/presentationml/2006/ole">
             <mc:AlternateContent xmlns:mc="http://schemas.openxmlformats.org/markup-compatibility/2006">
               <mc:Choice xmlns:v="urn:schemas-microsoft-com:vml" Requires="v">
-                <p:oleObj spid="_x0000_s70665" name="Equation" r:id="rId3" imgW="545760" imgH="393480" progId="Equation.DSMT4">
+                <p:oleObj spid="_x0000_s70667" name="Equation" r:id="rId3" imgW="545760" imgH="393480" progId="Equation.DSMT4">
                   <p:embed/>
                 </p:oleObj>
               </mc:Choice>
@@ -8253,7 +8265,7 @@
           <a:graphicData uri="http://schemas.openxmlformats.org/presentationml/2006/ole">
             <mc:AlternateContent xmlns:mc="http://schemas.openxmlformats.org/markup-compatibility/2006">
               <mc:Choice xmlns:v="urn:schemas-microsoft-com:vml" Requires="v">
-                <p:oleObj spid="_x0000_s71689" name="Equation" r:id="rId3" imgW="545760" imgH="393480" progId="Equation.DSMT4">
+                <p:oleObj spid="_x0000_s71691" name="Equation" r:id="rId3" imgW="545760" imgH="393480" progId="Equation.DSMT4">
                   <p:embed/>
                 </p:oleObj>
               </mc:Choice>
@@ -8597,7 +8609,7 @@
           <a:graphicData uri="http://schemas.openxmlformats.org/presentationml/2006/ole">
             <mc:AlternateContent xmlns:mc="http://schemas.openxmlformats.org/markup-compatibility/2006">
               <mc:Choice xmlns:v="urn:schemas-microsoft-com:vml" Requires="v">
-                <p:oleObj spid="_x0000_s72712" name="Equation" r:id="rId3" imgW="672840" imgH="177480" progId="Equation.DSMT4">
+                <p:oleObj spid="_x0000_s72714" name="Equation" r:id="rId3" imgW="672840" imgH="177480" progId="Equation.DSMT4">
                   <p:embed/>
                 </p:oleObj>
               </mc:Choice>
@@ -8759,7 +8771,7 @@
           <a:graphicData uri="http://schemas.openxmlformats.org/presentationml/2006/ole">
             <mc:AlternateContent xmlns:mc="http://schemas.openxmlformats.org/markup-compatibility/2006">
               <mc:Choice xmlns:v="urn:schemas-microsoft-com:vml" Requires="v">
-                <p:oleObj spid="_x0000_s73736" name="Equation" r:id="rId3" imgW="672840" imgH="177480" progId="Equation.DSMT4">
+                <p:oleObj spid="_x0000_s73738" name="Equation" r:id="rId3" imgW="672840" imgH="177480" progId="Equation.DSMT4">
                   <p:embed/>
                 </p:oleObj>
               </mc:Choice>
@@ -8932,7 +8944,7 @@
           <a:graphicData uri="http://schemas.openxmlformats.org/presentationml/2006/ole">
             <mc:AlternateContent xmlns:mc="http://schemas.openxmlformats.org/markup-compatibility/2006">
               <mc:Choice xmlns:v="urn:schemas-microsoft-com:vml" Requires="v">
-                <p:oleObj spid="_x0000_s75785" name="Equation" r:id="rId3" imgW="698400" imgH="2222280" progId="Equation.DSMT4">
+                <p:oleObj spid="_x0000_s75787" name="Equation" r:id="rId3" imgW="698400" imgH="2222280" progId="Equation.DSMT4">
                   <p:embed/>
                 </p:oleObj>
               </mc:Choice>
@@ -9086,7 +9098,7 @@
           <a:graphicData uri="http://schemas.openxmlformats.org/presentationml/2006/ole">
             <mc:AlternateContent xmlns:mc="http://schemas.openxmlformats.org/markup-compatibility/2006">
               <mc:Choice xmlns:v="urn:schemas-microsoft-com:vml" Requires="v">
-                <p:oleObj spid="_x0000_s74763" name="Equation" r:id="rId3" imgW="787320" imgH="177480" progId="Equation.DSMT4">
+                <p:oleObj spid="_x0000_s74765" name="Equation" r:id="rId3" imgW="787320" imgH="177480" progId="Equation.DSMT4">
                   <p:embed/>
                 </p:oleObj>
               </mc:Choice>
@@ -9248,7 +9260,7 @@
           <a:graphicData uri="http://schemas.openxmlformats.org/presentationml/2006/ole">
             <mc:AlternateContent xmlns:mc="http://schemas.openxmlformats.org/markup-compatibility/2006">
               <mc:Choice xmlns:v="urn:schemas-microsoft-com:vml" Requires="v">
-                <p:oleObj spid="_x0000_s76809" name="Equation" r:id="rId3" imgW="787320" imgH="177480" progId="Equation.DSMT4">
+                <p:oleObj spid="_x0000_s76811" name="Equation" r:id="rId3" imgW="787320" imgH="177480" progId="Equation.DSMT4">
                   <p:embed/>
                 </p:oleObj>
               </mc:Choice>
@@ -9427,7 +9439,7 @@
           <a:graphicData uri="http://schemas.openxmlformats.org/presentationml/2006/ole">
             <mc:AlternateContent xmlns:mc="http://schemas.openxmlformats.org/markup-compatibility/2006">
               <mc:Choice xmlns:v="urn:schemas-microsoft-com:vml" Requires="v">
-                <p:oleObj spid="_x0000_s77838" name="Equation" r:id="rId3" imgW="787320" imgH="177480" progId="Equation.DSMT4">
+                <p:oleObj spid="_x0000_s77842" name="Equation" r:id="rId3" imgW="787320" imgH="177480" progId="Equation.DSMT4">
                   <p:embed/>
                 </p:oleObj>
               </mc:Choice>
@@ -9484,7 +9496,7 @@
           <a:graphicData uri="http://schemas.openxmlformats.org/presentationml/2006/ole">
             <mc:AlternateContent xmlns:mc="http://schemas.openxmlformats.org/markup-compatibility/2006">
               <mc:Choice xmlns:v="urn:schemas-microsoft-com:vml" Requires="v">
-                <p:oleObj spid="_x0000_s77839" name="Equation" r:id="rId5" imgW="520560" imgH="177480" progId="Equation.DSMT4">
+                <p:oleObj spid="_x0000_s77843" name="Equation" r:id="rId5" imgW="520560" imgH="177480" progId="Equation.DSMT4">
                   <p:embed/>
                 </p:oleObj>
               </mc:Choice>
@@ -9688,7 +9700,7 @@
           <a:graphicData uri="http://schemas.openxmlformats.org/presentationml/2006/ole">
             <mc:AlternateContent xmlns:mc="http://schemas.openxmlformats.org/markup-compatibility/2006">
               <mc:Choice xmlns:v="urn:schemas-microsoft-com:vml" Requires="v">
-                <p:oleObj spid="_x0000_s78863" name="Equation" r:id="rId3" imgW="812520" imgH="2222280" progId="Equation.DSMT4">
+                <p:oleObj spid="_x0000_s78867" name="Equation" r:id="rId3" imgW="812520" imgH="2222280" progId="Equation.DSMT4">
                   <p:embed/>
                 </p:oleObj>
               </mc:Choice>
@@ -9745,7 +9757,7 @@
           <a:graphicData uri="http://schemas.openxmlformats.org/presentationml/2006/ole">
             <mc:AlternateContent xmlns:mc="http://schemas.openxmlformats.org/markup-compatibility/2006">
               <mc:Choice xmlns:v="urn:schemas-microsoft-com:vml" Requires="v">
-                <p:oleObj spid="_x0000_s78864" name="Equation" r:id="rId5" imgW="406080" imgH="203040" progId="Equation.DSMT4">
+                <p:oleObj spid="_x0000_s78868" name="Equation" r:id="rId5" imgW="406080" imgH="203040" progId="Equation.DSMT4">
                   <p:embed/>
                 </p:oleObj>
               </mc:Choice>
@@ -9975,7 +9987,7 @@
           <a:graphicData uri="http://schemas.openxmlformats.org/presentationml/2006/ole">
             <mc:AlternateContent xmlns:mc="http://schemas.openxmlformats.org/markup-compatibility/2006">
               <mc:Choice xmlns:v="urn:schemas-microsoft-com:vml" Requires="v">
-                <p:oleObj spid="_x0000_s80905" name="Equation" r:id="rId3" imgW="698400" imgH="177480" progId="Equation.DSMT4">
+                <p:oleObj spid="_x0000_s80907" name="Equation" r:id="rId3" imgW="698400" imgH="177480" progId="Equation.DSMT4">
                   <p:embed/>
                 </p:oleObj>
               </mc:Choice>
@@ -10131,7 +10143,7 @@
           <a:graphicData uri="http://schemas.openxmlformats.org/presentationml/2006/ole">
             <mc:AlternateContent xmlns:mc="http://schemas.openxmlformats.org/markup-compatibility/2006">
               <mc:Choice xmlns:v="urn:schemas-microsoft-com:vml" Requires="v">
-                <p:oleObj spid="_x0000_s81936" name="Equation" r:id="rId3" imgW="698400" imgH="177480" progId="Equation.DSMT4">
+                <p:oleObj spid="_x0000_s81940" name="Equation" r:id="rId3" imgW="698400" imgH="177480" progId="Equation.DSMT4">
                   <p:embed/>
                 </p:oleObj>
               </mc:Choice>
@@ -10188,7 +10200,7 @@
           <a:graphicData uri="http://schemas.openxmlformats.org/presentationml/2006/ole">
             <mc:AlternateContent xmlns:mc="http://schemas.openxmlformats.org/markup-compatibility/2006">
               <mc:Choice xmlns:v="urn:schemas-microsoft-com:vml" Requires="v">
-                <p:oleObj spid="_x0000_s81937" name="Equation" r:id="rId5" imgW="660240" imgH="177480" progId="Equation.DSMT4">
+                <p:oleObj spid="_x0000_s81941" name="Equation" r:id="rId5" imgW="660240" imgH="177480" progId="Equation.DSMT4">
                   <p:embed/>
                 </p:oleObj>
               </mc:Choice>
@@ -10389,7 +10401,7 @@
           <a:graphicData uri="http://schemas.openxmlformats.org/presentationml/2006/ole">
             <mc:AlternateContent xmlns:mc="http://schemas.openxmlformats.org/markup-compatibility/2006">
               <mc:Choice xmlns:v="urn:schemas-microsoft-com:vml" Requires="v">
-                <p:oleObj spid="_x0000_s82954" name="Equation" r:id="rId3" imgW="774360" imgH="1993680" progId="Equation.DSMT4">
+                <p:oleObj spid="_x0000_s82956" name="Equation" r:id="rId3" imgW="774360" imgH="1993680" progId="Equation.DSMT4">
                   <p:embed/>
                 </p:oleObj>
               </mc:Choice>
@@ -10536,25 +10548,25 @@
           <p:nvPr>
             <p:extLst>
               <p:ext uri="{D42A27DB-BD31-4B8C-83A1-F6EECF244321}">
-                <p14:modId xmlns:p14="http://schemas.microsoft.com/office/powerpoint/2010/main" val="1892299112"/>
+                <p14:modId xmlns:p14="http://schemas.microsoft.com/office/powerpoint/2010/main" val="2747765794"/>
               </p:ext>
             </p:extLst>
           </p:nvPr>
         </p:nvGraphicFramePr>
         <p:xfrm>
-          <a:off x="2971800" y="4038600"/>
-          <a:ext cx="1877786" cy="381000"/>
+          <a:off x="3162300" y="4038600"/>
+          <a:ext cx="1497013" cy="381000"/>
         </p:xfrm>
         <a:graphic>
           <a:graphicData uri="http://schemas.openxmlformats.org/presentationml/2006/ole">
             <mc:AlternateContent xmlns:mc="http://schemas.openxmlformats.org/markup-compatibility/2006">
               <mc:Choice xmlns:v="urn:schemas-microsoft-com:vml" Requires="v">
-                <p:oleObj spid="_x0000_s83980" name="Equation" r:id="rId3" imgW="876240" imgH="177480" progId="Equation.DSMT4">
+                <p:oleObj spid="_x0000_s83984" name="Equation" r:id="rId3" imgW="698400" imgH="177480" progId="Equation.DSMT4">
                   <p:embed/>
                 </p:oleObj>
               </mc:Choice>
               <mc:Fallback>
-                <p:oleObj name="Equation" r:id="rId3" imgW="876240" imgH="177480" progId="Equation.DSMT4">
+                <p:oleObj name="Equation" r:id="rId3" imgW="698400" imgH="177480" progId="Equation.DSMT4">
                   <p:embed/>
                   <p:pic>
                     <p:nvPicPr>
@@ -10570,8 +10582,8 @@
                     </p:blipFill>
                     <p:spPr>
                       <a:xfrm>
-                        <a:off x="2971800" y="4038600"/>
-                        <a:ext cx="1877786" cy="381000"/>
+                        <a:off x="3162300" y="4038600"/>
+                        <a:ext cx="1497013" cy="381000"/>
                       </a:xfrm>
                       <a:prstGeom prst="rect">
                         <a:avLst/>
@@ -10606,7 +10618,7 @@
           <a:graphicData uri="http://schemas.openxmlformats.org/presentationml/2006/ole">
             <mc:AlternateContent xmlns:mc="http://schemas.openxmlformats.org/markup-compatibility/2006">
               <mc:Choice xmlns:v="urn:schemas-microsoft-com:vml" Requires="v">
-                <p:oleObj spid="_x0000_s83981" name="Equation" r:id="rId5" imgW="952200" imgH="177480" progId="Equation.DSMT4">
+                <p:oleObj spid="_x0000_s83985" name="Equation" r:id="rId5" imgW="952200" imgH="177480" progId="Equation.DSMT4">
                   <p:embed/>
                 </p:oleObj>
               </mc:Choice>
@@ -10787,7 +10799,7 @@
           <a:graphicData uri="http://schemas.openxmlformats.org/presentationml/2006/ole">
             <mc:AlternateContent xmlns:mc="http://schemas.openxmlformats.org/markup-compatibility/2006">
               <mc:Choice xmlns:v="urn:schemas-microsoft-com:vml" Requires="v">
-                <p:oleObj spid="_x0000_s85014" name="Equation" r:id="rId3" imgW="406080" imgH="393480" progId="Equation.DSMT4">
+                <p:oleObj spid="_x0000_s85022" name="Equation" r:id="rId3" imgW="406080" imgH="393480" progId="Equation.DSMT4">
                   <p:embed/>
                 </p:oleObj>
               </mc:Choice>
@@ -10844,7 +10856,7 @@
           <a:graphicData uri="http://schemas.openxmlformats.org/presentationml/2006/ole">
             <mc:AlternateContent xmlns:mc="http://schemas.openxmlformats.org/markup-compatibility/2006">
               <mc:Choice xmlns:v="urn:schemas-microsoft-com:vml" Requires="v">
-                <p:oleObj spid="_x0000_s85015" name="Equation" r:id="rId5" imgW="660240" imgH="177480" progId="Equation.DSMT4">
+                <p:oleObj spid="_x0000_s85023" name="Equation" r:id="rId5" imgW="660240" imgH="177480" progId="Equation.DSMT4">
                   <p:embed/>
                 </p:oleObj>
               </mc:Choice>
@@ -10901,7 +10913,7 @@
           <a:graphicData uri="http://schemas.openxmlformats.org/presentationml/2006/ole">
             <mc:AlternateContent xmlns:mc="http://schemas.openxmlformats.org/markup-compatibility/2006">
               <mc:Choice xmlns:v="urn:schemas-microsoft-com:vml" Requires="v">
-                <p:oleObj spid="_x0000_s85016" name="Equation" r:id="rId7" imgW="787320" imgH="177480" progId="Equation.DSMT4">
+                <p:oleObj spid="_x0000_s85024" name="Equation" r:id="rId7" imgW="787320" imgH="177480" progId="Equation.DSMT4">
                   <p:embed/>
                 </p:oleObj>
               </mc:Choice>
@@ -10958,7 +10970,7 @@
           <a:graphicData uri="http://schemas.openxmlformats.org/presentationml/2006/ole">
             <mc:AlternateContent xmlns:mc="http://schemas.openxmlformats.org/markup-compatibility/2006">
               <mc:Choice xmlns:v="urn:schemas-microsoft-com:vml" Requires="v">
-                <p:oleObj spid="_x0000_s85017" name="Equation" r:id="rId9" imgW="1002960" imgH="177480" progId="Equation.DSMT4">
+                <p:oleObj spid="_x0000_s85025" name="Equation" r:id="rId9" imgW="1002960" imgH="177480" progId="Equation.DSMT4">
                   <p:embed/>
                 </p:oleObj>
               </mc:Choice>
@@ -11175,7 +11187,7 @@
           <a:graphicData uri="http://schemas.openxmlformats.org/presentationml/2006/ole">
             <mc:AlternateContent xmlns:mc="http://schemas.openxmlformats.org/markup-compatibility/2006">
               <mc:Choice xmlns:v="urn:schemas-microsoft-com:vml" Requires="v">
-                <p:oleObj spid="_x0000_s86022" name="Equation" r:id="rId3" imgW="241200" imgH="203040" progId="Equation.DSMT4">
+                <p:oleObj spid="_x0000_s86024" name="Equation" r:id="rId3" imgW="241200" imgH="203040" progId="Equation.DSMT4">
                   <p:embed/>
                 </p:oleObj>
               </mc:Choice>
@@ -11400,7 +11412,7 @@
           <a:graphicData uri="http://schemas.openxmlformats.org/presentationml/2006/ole">
             <mc:AlternateContent xmlns:mc="http://schemas.openxmlformats.org/markup-compatibility/2006">
               <mc:Choice xmlns:v="urn:schemas-microsoft-com:vml" Requires="v">
-                <p:oleObj spid="_x0000_s87051" name="Equation" r:id="rId3" imgW="952200" imgH="177480" progId="Equation.DSMT4">
+                <p:oleObj spid="_x0000_s87057" name="Equation" r:id="rId3" imgW="952200" imgH="177480" progId="Equation.DSMT4">
                   <p:embed/>
                 </p:oleObj>
               </mc:Choice>
@@ -11457,7 +11469,7 @@
           <a:graphicData uri="http://schemas.openxmlformats.org/presentationml/2006/ole">
             <mc:AlternateContent xmlns:mc="http://schemas.openxmlformats.org/markup-compatibility/2006">
               <mc:Choice xmlns:v="urn:schemas-microsoft-com:vml" Requires="v">
-                <p:oleObj spid="_x0000_s87052" name="Equation" r:id="rId5" imgW="685800" imgH="177480" progId="Equation.DSMT4">
+                <p:oleObj spid="_x0000_s87058" name="Equation" r:id="rId5" imgW="685800" imgH="177480" progId="Equation.DSMT4">
                   <p:embed/>
                 </p:oleObj>
               </mc:Choice>
@@ -11514,7 +11526,7 @@
           <a:graphicData uri="http://schemas.openxmlformats.org/presentationml/2006/ole">
             <mc:AlternateContent xmlns:mc="http://schemas.openxmlformats.org/markup-compatibility/2006">
               <mc:Choice xmlns:v="urn:schemas-microsoft-com:vml" Requires="v">
-                <p:oleObj spid="_x0000_s87053" name="Equation" r:id="rId7" imgW="850680" imgH="177480" progId="Equation.DSMT4">
+                <p:oleObj spid="_x0000_s87059" name="Equation" r:id="rId7" imgW="850680" imgH="177480" progId="Equation.DSMT4">
                   <p:embed/>
                 </p:oleObj>
               </mc:Choice>
@@ -11906,7 +11918,7 @@
           <a:graphicData uri="http://schemas.openxmlformats.org/presentationml/2006/ole">
             <mc:AlternateContent xmlns:mc="http://schemas.openxmlformats.org/markup-compatibility/2006">
               <mc:Choice xmlns:v="urn:schemas-microsoft-com:vml" Requires="v">
-                <p:oleObj spid="_x0000_s54285" name="Equation" r:id="rId3" imgW="799920" imgH="177480" progId="Equation.DSMT4">
+                <p:oleObj spid="_x0000_s54287" name="Equation" r:id="rId3" imgW="799920" imgH="177480" progId="Equation.DSMT4">
                   <p:embed/>
                 </p:oleObj>
               </mc:Choice>
@@ -12079,7 +12091,7 @@
           <a:graphicData uri="http://schemas.openxmlformats.org/presentationml/2006/ole">
             <mc:AlternateContent xmlns:mc="http://schemas.openxmlformats.org/markup-compatibility/2006">
               <mc:Choice xmlns:v="urn:schemas-microsoft-com:vml" Requires="v">
-                <p:oleObj spid="_x0000_s55309" name="Equation" r:id="rId3" imgW="799920" imgH="177480" progId="Equation.DSMT4">
+                <p:oleObj spid="_x0000_s55311" name="Equation" r:id="rId3" imgW="799920" imgH="177480" progId="Equation.DSMT4">
                   <p:embed/>
                 </p:oleObj>
               </mc:Choice>
@@ -12226,7 +12238,7 @@
           <a:graphicData uri="http://schemas.openxmlformats.org/presentationml/2006/ole">
             <mc:AlternateContent xmlns:mc="http://schemas.openxmlformats.org/markup-compatibility/2006">
               <mc:Choice xmlns:v="urn:schemas-microsoft-com:vml" Requires="v">
-                <p:oleObj spid="_x0000_s56333" name="Equation" r:id="rId3" imgW="863280" imgH="177480" progId="Equation.DSMT4">
+                <p:oleObj spid="_x0000_s56335" name="Equation" r:id="rId3" imgW="863280" imgH="177480" progId="Equation.DSMT4">
                   <p:embed/>
                 </p:oleObj>
               </mc:Choice>
@@ -12390,7 +12402,7 @@
           <a:graphicData uri="http://schemas.openxmlformats.org/presentationml/2006/ole">
             <mc:AlternateContent xmlns:mc="http://schemas.openxmlformats.org/markup-compatibility/2006">
               <mc:Choice xmlns:v="urn:schemas-microsoft-com:vml" Requires="v">
-                <p:oleObj spid="_x0000_s57357" name="Equation" r:id="rId3" imgW="863280" imgH="177480" progId="Equation.DSMT4">
+                <p:oleObj spid="_x0000_s57359" name="Equation" r:id="rId3" imgW="863280" imgH="177480" progId="Equation.DSMT4">
                   <p:embed/>
                 </p:oleObj>
               </mc:Choice>
@@ -12537,7 +12549,7 @@
           <a:graphicData uri="http://schemas.openxmlformats.org/presentationml/2006/ole">
             <mc:AlternateContent xmlns:mc="http://schemas.openxmlformats.org/markup-compatibility/2006">
               <mc:Choice xmlns:v="urn:schemas-microsoft-com:vml" Requires="v">
-                <p:oleObj spid="_x0000_s58381" name="Equation" r:id="rId3" imgW="1028520" imgH="177480" progId="Equation.DSMT4">
+                <p:oleObj spid="_x0000_s58383" name="Equation" r:id="rId3" imgW="1028520" imgH="177480" progId="Equation.DSMT4">
                   <p:embed/>
                 </p:oleObj>
               </mc:Choice>
